--- a/SS-NotificationSystem Architecture Review.pptx
+++ b/SS-NotificationSystem Architecture Review.pptx
@@ -4499,7 +4499,7 @@
         <p:spPr>
           <a:xfrm>
             <a:off x="3384467" y="2413183"/>
-            <a:ext cx="1487715" cy="369332"/>
+            <a:ext cx="1598579" cy="369332"/>
           </a:xfrm>
           <a:prstGeom prst="rect">
             <a:avLst/>
@@ -4514,7 +4514,7 @@
           <a:p>
             <a:r>
               <a:rPr lang="en-US" dirty="0"/>
-              <a:t>Created date</a:t>
+              <a:t>Received date</a:t>
             </a:r>
           </a:p>
         </p:txBody>
@@ -4533,7 +4533,7 @@
         </p:nvSpPr>
         <p:spPr>
           <a:xfrm flipH="1">
-            <a:off x="5175995" y="2396419"/>
+            <a:off x="5318870" y="2414634"/>
             <a:ext cx="1220884" cy="369332"/>
           </a:xfrm>
           <a:prstGeom prst="rect">
@@ -7313,7 +7313,13 @@
       </p:grpSpPr>
       <p:sp>
         <p:nvSpPr>
-          <p:cNvPr id="2" name="Title 1"/>
+          <p:cNvPr id="51" name="Title 2">
+            <a:extLst>
+              <a:ext uri="{FF2B5EF4-FFF2-40B4-BE49-F238E27FC236}">
+                <a16:creationId xmlns:a16="http://schemas.microsoft.com/office/drawing/2014/main" id="{2733BCC5-EB84-4B38-AD76-F1611DB30910}"/>
+              </a:ext>
+            </a:extLst>
+          </p:cNvPr>
           <p:cNvSpPr>
             <a:spLocks noGrp="1"/>
           </p:cNvSpPr>
@@ -7321,1274 +7327,859 @@
             <p:ph type="title"/>
           </p:nvPr>
         </p:nvSpPr>
-        <p:spPr/>
-        <p:txBody>
-          <a:bodyPr>
-            <a:normAutofit/>
-          </a:bodyPr>
+        <p:spPr>
+          <a:xfrm>
+            <a:off x="521207" y="448056"/>
+            <a:ext cx="6877119" cy="640080"/>
+          </a:xfrm>
+        </p:spPr>
+        <p:txBody>
+          <a:bodyPr/>
           <a:lstStyle/>
           <a:p>
-            <a:pPr lvl="0"/>
             <a:r>
               <a:rPr lang="en-US" dirty="0">
                 <a:latin typeface="Segoe UI Light" panose="020B0502040204020203" pitchFamily="34" charset="0"/>
                 <a:cs typeface="Segoe UI Light" panose="020B0502040204020203" pitchFamily="34" charset="0"/>
               </a:rPr>
-              <a:t>Working together in real time</a:t>
-            </a:r>
-          </a:p>
-        </p:txBody>
-      </p:sp>
-      <p:sp>
-        <p:nvSpPr>
-          <p:cNvPr id="5" name="Content Placeholder 4"/>
-          <p:cNvSpPr>
-            <a:spLocks noGrp="1"/>
-          </p:cNvSpPr>
-          <p:nvPr>
-            <p:ph sz="half" idx="4294967295"/>
-          </p:nvPr>
-        </p:nvSpPr>
-        <p:spPr>
-          <a:xfrm>
-            <a:off x="541611" y="1431010"/>
-            <a:ext cx="4413626" cy="3978275"/>
-          </a:xfrm>
-        </p:spPr>
-        <p:txBody>
-          <a:bodyPr vert="horz" lIns="91440" tIns="45720" rIns="91440" bIns="45720" rtlCol="0">
-            <a:normAutofit/>
-          </a:bodyPr>
-          <a:lstStyle/>
-          <a:p>
-            <a:pPr marL="0" indent="0">
-              <a:lnSpc>
-                <a:spcPts val="1800"/>
-              </a:lnSpc>
-              <a:spcBef>
-                <a:spcPts val="1000"/>
-              </a:spcBef>
-              <a:spcAft>
-                <a:spcPts val="2000"/>
-              </a:spcAft>
-              <a:buNone/>
-            </a:pPr>
-            <a:r>
-              <a:rPr lang="en-US" sz="1200" dirty="0">
-                <a:solidFill>
-                  <a:prstClr val="black">
-                    <a:lumMod val="75000"/>
-                    <a:lumOff val="25000"/>
-                  </a:prstClr>
-                </a:solidFill>
-                <a:latin typeface="Segoe UI" panose="020B0502040204020203" pitchFamily="34" charset="0"/>
-                <a:cs typeface="Segoe UI" panose="020B0502040204020203" pitchFamily="34" charset="0"/>
-              </a:rPr>
-              <a:t>When you share your presentation with others, you’ll see them working with you at the same time. </a:t>
-            </a:r>
-            <a:br>
-              <a:rPr lang="en-US" sz="1200" dirty="0">
-                <a:solidFill>
-                  <a:prstClr val="black">
-                    <a:lumMod val="75000"/>
-                    <a:lumOff val="25000"/>
-                  </a:prstClr>
-                </a:solidFill>
-                <a:latin typeface="Segoe UI" panose="020B0502040204020203" pitchFamily="34" charset="0"/>
-                <a:cs typeface="Segoe UI" panose="020B0502040204020203" pitchFamily="34" charset="0"/>
-              </a:rPr>
-            </a:br>
-            <a:br>
-              <a:rPr lang="en-US" sz="1200" dirty="0">
-                <a:solidFill>
-                  <a:prstClr val="black">
-                    <a:lumMod val="75000"/>
-                    <a:lumOff val="25000"/>
-                  </a:prstClr>
-                </a:solidFill>
-                <a:latin typeface="Segoe UI" panose="020B0502040204020203" pitchFamily="34" charset="0"/>
-                <a:cs typeface="Segoe UI" panose="020B0502040204020203" pitchFamily="34" charset="0"/>
-              </a:rPr>
-            </a:br>
-            <a:r>
-              <a:rPr lang="en-US" sz="1200" dirty="0">
-                <a:solidFill>
-                  <a:prstClr val="black">
-                    <a:lumMod val="75000"/>
-                    <a:lumOff val="25000"/>
-                  </a:prstClr>
-                </a:solidFill>
-                <a:latin typeface="Segoe UI" panose="020B0502040204020203" pitchFamily="34" charset="0"/>
-                <a:cs typeface="Segoe UI" panose="020B0502040204020203" pitchFamily="34" charset="0"/>
-              </a:rPr>
-              <a:t>How it works:</a:t>
-            </a:r>
-          </a:p>
-        </p:txBody>
-      </p:sp>
-      <p:pic>
-        <p:nvPicPr>
-          <p:cNvPr id="11" name="Picture 10" descr="Share icon showing number of people  working on the presentation "/>
-          <p:cNvPicPr>
-            <a:picLocks noChangeAspect="1"/>
-          </p:cNvPicPr>
-          <p:nvPr/>
-        </p:nvPicPr>
-        <p:blipFill>
-          <a:blip r:embed="rId2">
+              <a:t>Notification System User Interface</a:t>
+            </a:r>
+          </a:p>
+        </p:txBody>
+      </p:sp>
+      <p:sp>
+        <p:nvSpPr>
+          <p:cNvPr id="52" name="Rectangle 51">
             <a:extLst>
-              <a:ext uri="{28A0092B-C50C-407E-A947-70E740481C1C}">
-                <a14:useLocalDpi xmlns:a14="http://schemas.microsoft.com/office/drawing/2010/main" val="0"/>
+              <a:ext uri="{FF2B5EF4-FFF2-40B4-BE49-F238E27FC236}">
+                <a16:creationId xmlns:a16="http://schemas.microsoft.com/office/drawing/2014/main" id="{E411E94B-9840-474A-B7C4-F0FE5DB376D4}"/>
               </a:ext>
             </a:extLst>
-          </a:blip>
-          <a:stretch>
-            <a:fillRect/>
-          </a:stretch>
-        </p:blipFill>
-        <p:spPr>
-          <a:xfrm>
-            <a:off x="561984" y="2425111"/>
-            <a:ext cx="3262550" cy="1475660"/>
+          </p:cNvPr>
+          <p:cNvSpPr/>
+          <p:nvPr/>
+        </p:nvSpPr>
+        <p:spPr>
+          <a:xfrm>
+            <a:off x="676275" y="1381125"/>
+            <a:ext cx="10753725" cy="5028819"/>
           </a:xfrm>
           <a:prstGeom prst="rect">
             <a:avLst/>
           </a:prstGeom>
-        </p:spPr>
-      </p:pic>
-      <p:grpSp>
-        <p:nvGrpSpPr>
-          <p:cNvPr id="33" name="Group 32" descr="Small circle with number 1 inside indicating step 1"/>
-          <p:cNvGrpSpPr/>
-          <p:nvPr/>
-        </p:nvGrpSpPr>
-        <p:grpSpPr bwMode="blackWhite">
-          <a:xfrm>
-            <a:off x="558723" y="4531632"/>
-            <a:ext cx="558179" cy="409838"/>
-            <a:chOff x="6953426" y="711274"/>
-            <a:chExt cx="558179" cy="409838"/>
-          </a:xfrm>
-        </p:grpSpPr>
-        <p:sp>
-          <p:nvSpPr>
-            <p:cNvPr id="34" name="Oval 33" descr="Small circle"/>
-            <p:cNvSpPr/>
-            <p:nvPr/>
-          </p:nvSpPr>
-          <p:spPr bwMode="blackWhite">
-            <a:xfrm>
-              <a:off x="7025069" y="711274"/>
-              <a:ext cx="409838" cy="409838"/>
-            </a:xfrm>
-            <a:prstGeom prst="ellipse">
-              <a:avLst/>
-            </a:prstGeom>
+          <a:noFill/>
+          <a:ln>
             <a:solidFill>
               <a:srgbClr val="D24726"/>
             </a:solidFill>
-            <a:ln>
-              <a:noFill/>
-            </a:ln>
-          </p:spPr>
-          <p:style>
-            <a:lnRef idx="2">
-              <a:schemeClr val="accent1">
-                <a:shade val="50000"/>
-              </a:schemeClr>
-            </a:lnRef>
-            <a:fillRef idx="1">
-              <a:schemeClr val="accent1"/>
-            </a:fillRef>
-            <a:effectRef idx="0">
-              <a:schemeClr val="accent1"/>
-            </a:effectRef>
-            <a:fontRef idx="minor">
-              <a:schemeClr val="lt1"/>
-            </a:fontRef>
-          </p:style>
-          <p:txBody>
-            <a:bodyPr rtlCol="0" anchor="ctr"/>
-            <a:lstStyle/>
-            <a:p>
-              <a:pPr algn="ctr"/>
-              <a:endParaRPr lang="en-US" dirty="0"/>
-            </a:p>
-          </p:txBody>
-        </p:sp>
-        <p:sp>
-          <p:nvSpPr>
-            <p:cNvPr id="35" name="TextBox 34" descr="Number 1"/>
-            <p:cNvSpPr txBox="1"/>
-            <p:nvPr/>
-          </p:nvSpPr>
-          <p:spPr bwMode="blackWhite">
-            <a:xfrm>
-              <a:off x="6953426" y="727564"/>
-              <a:ext cx="558179" cy="369332"/>
-            </a:xfrm>
-            <a:prstGeom prst="rect">
-              <a:avLst/>
-            </a:prstGeom>
-            <a:noFill/>
-          </p:spPr>
-          <p:txBody>
-            <a:bodyPr wrap="square" rtlCol="0">
-              <a:spAutoFit/>
-            </a:bodyPr>
-            <a:lstStyle/>
-            <a:p>
-              <a:pPr algn="ctr"/>
-              <a:r>
-                <a:rPr lang="en-US" dirty="0">
-                  <a:solidFill>
-                    <a:schemeClr val="bg1"/>
-                  </a:solidFill>
-                  <a:latin typeface="Segoe UI Semibold" panose="020B0702040204020203" pitchFamily="34" charset="0"/>
-                  <a:cs typeface="Segoe UI Semibold" panose="020B0702040204020203" pitchFamily="34" charset="0"/>
-                </a:rPr>
-                <a:t>1</a:t>
-              </a:r>
-            </a:p>
-          </p:txBody>
-        </p:sp>
-      </p:grpSp>
-      <p:sp>
-        <p:nvSpPr>
-          <p:cNvPr id="42" name="Content Placeholder 17"/>
-          <p:cNvSpPr txBox="1">
-            <a:spLocks/>
-          </p:cNvSpPr>
-          <p:nvPr/>
-        </p:nvSpPr>
-        <p:spPr>
-          <a:xfrm>
-            <a:off x="1066039" y="4571824"/>
-            <a:ext cx="2696774" cy="992581"/>
-          </a:xfrm>
-          <a:prstGeom prst="rect">
-            <a:avLst/>
-          </a:prstGeom>
-        </p:spPr>
-        <p:txBody>
-          <a:bodyPr vert="horz" lIns="91440" tIns="45720" rIns="91440" bIns="45720" rtlCol="0">
-            <a:noAutofit/>
-          </a:bodyPr>
-          <a:lstStyle>
-            <a:lvl1pPr marL="228600" indent="-228600" algn="l" defTabSz="914400" rtl="0" eaLnBrk="1" latinLnBrk="0" hangingPunct="1">
-              <a:lnSpc>
-                <a:spcPts val="1800"/>
-              </a:lnSpc>
-              <a:spcBef>
-                <a:spcPts val="1000"/>
-              </a:spcBef>
-              <a:spcAft>
-                <a:spcPts val="1000"/>
-              </a:spcAft>
-              <a:buFont typeface="Arial" panose="020B0604020202020204" pitchFamily="34" charset="0"/>
-              <a:buChar char="•"/>
-              <a:defRPr lang="en-US" sz="1200" kern="1200" smtClean="0">
-                <a:solidFill>
-                  <a:schemeClr val="tx1">
-                    <a:lumMod val="75000"/>
-                    <a:lumOff val="25000"/>
-                  </a:schemeClr>
-                </a:solidFill>
-                <a:latin typeface="+mn-lt"/>
-                <a:ea typeface="+mn-ea"/>
-                <a:cs typeface="+mn-cs"/>
-              </a:defRPr>
-            </a:lvl1pPr>
-            <a:lvl2pPr marL="685800" indent="-228600" algn="l" defTabSz="914400" rtl="0" eaLnBrk="1" latinLnBrk="0" hangingPunct="1">
-              <a:lnSpc>
-                <a:spcPts val="1800"/>
-              </a:lnSpc>
-              <a:spcBef>
-                <a:spcPts val="1000"/>
-              </a:spcBef>
-              <a:spcAft>
-                <a:spcPts val="1000"/>
-              </a:spcAft>
-              <a:buFont typeface="Arial" panose="020B0604020202020204" pitchFamily="34" charset="0"/>
-              <a:buChar char="•"/>
-              <a:defRPr lang="en-US" sz="1200" kern="1200" smtClean="0">
-                <a:solidFill>
-                  <a:schemeClr val="tx1">
-                    <a:lumMod val="75000"/>
-                    <a:lumOff val="25000"/>
-                  </a:schemeClr>
-                </a:solidFill>
-                <a:latin typeface="+mn-lt"/>
-                <a:ea typeface="+mn-ea"/>
-                <a:cs typeface="+mn-cs"/>
-              </a:defRPr>
-            </a:lvl2pPr>
-            <a:lvl3pPr marL="1143000" indent="-228600" algn="l" defTabSz="914400" rtl="0" eaLnBrk="1" latinLnBrk="0" hangingPunct="1">
-              <a:lnSpc>
-                <a:spcPts val="1800"/>
-              </a:lnSpc>
-              <a:spcBef>
-                <a:spcPts val="1000"/>
-              </a:spcBef>
-              <a:spcAft>
-                <a:spcPts val="1000"/>
-              </a:spcAft>
-              <a:buFont typeface="Arial" panose="020B0604020202020204" pitchFamily="34" charset="0"/>
-              <a:buChar char="•"/>
-              <a:defRPr lang="en-US" sz="1200" kern="1200" smtClean="0">
-                <a:solidFill>
-                  <a:schemeClr val="tx1">
-                    <a:lumMod val="75000"/>
-                    <a:lumOff val="25000"/>
-                  </a:schemeClr>
-                </a:solidFill>
-                <a:latin typeface="+mn-lt"/>
-                <a:ea typeface="+mn-ea"/>
-                <a:cs typeface="+mn-cs"/>
-              </a:defRPr>
-            </a:lvl3pPr>
-            <a:lvl4pPr marL="1600200" indent="-228600" algn="l" defTabSz="914400" rtl="0" eaLnBrk="1" latinLnBrk="0" hangingPunct="1">
-              <a:lnSpc>
-                <a:spcPts val="1800"/>
-              </a:lnSpc>
-              <a:spcBef>
-                <a:spcPts val="1000"/>
-              </a:spcBef>
-              <a:spcAft>
-                <a:spcPts val="1000"/>
-              </a:spcAft>
-              <a:buFont typeface="Arial" panose="020B0604020202020204" pitchFamily="34" charset="0"/>
-              <a:buChar char="•"/>
-              <a:defRPr lang="en-US" sz="1200" kern="1200" smtClean="0">
-                <a:solidFill>
-                  <a:schemeClr val="tx1">
-                    <a:lumMod val="75000"/>
-                    <a:lumOff val="25000"/>
-                  </a:schemeClr>
-                </a:solidFill>
-                <a:latin typeface="+mn-lt"/>
-                <a:ea typeface="+mn-ea"/>
-                <a:cs typeface="+mn-cs"/>
-              </a:defRPr>
-            </a:lvl4pPr>
-            <a:lvl5pPr marL="2057400" indent="-228600" algn="l" defTabSz="914400" rtl="0" eaLnBrk="1" latinLnBrk="0" hangingPunct="1">
-              <a:lnSpc>
-                <a:spcPts val="1800"/>
-              </a:lnSpc>
-              <a:spcBef>
-                <a:spcPts val="1000"/>
-              </a:spcBef>
-              <a:spcAft>
-                <a:spcPts val="1000"/>
-              </a:spcAft>
-              <a:buFont typeface="Arial" panose="020B0604020202020204" pitchFamily="34" charset="0"/>
-              <a:buChar char="•"/>
-              <a:defRPr lang="en-US" sz="1200" kern="1200">
-                <a:solidFill>
-                  <a:schemeClr val="tx1">
-                    <a:lumMod val="75000"/>
-                    <a:lumOff val="25000"/>
-                  </a:schemeClr>
-                </a:solidFill>
-                <a:latin typeface="+mn-lt"/>
-                <a:ea typeface="+mn-ea"/>
-                <a:cs typeface="+mn-cs"/>
-              </a:defRPr>
-            </a:lvl5pPr>
-            <a:lvl6pPr marL="2514600" indent="-228600" algn="l" defTabSz="914400" rtl="0" eaLnBrk="1" latinLnBrk="0" hangingPunct="1">
-              <a:lnSpc>
-                <a:spcPct val="90000"/>
-              </a:lnSpc>
-              <a:spcBef>
-                <a:spcPct val="30000"/>
-              </a:spcBef>
-              <a:buFont typeface="Arial" panose="020B0604020202020204" pitchFamily="34" charset="0"/>
-              <a:buChar char="•"/>
-              <a:defRPr sz="1800" kern="1200">
-                <a:solidFill>
-                  <a:schemeClr val="tx1"/>
-                </a:solidFill>
-                <a:latin typeface="+mn-lt"/>
-                <a:ea typeface="+mn-ea"/>
-                <a:cs typeface="+mn-cs"/>
-              </a:defRPr>
-            </a:lvl6pPr>
-            <a:lvl7pPr marL="2971800" indent="-228600" algn="l" defTabSz="914400" rtl="0" eaLnBrk="1" latinLnBrk="0" hangingPunct="1">
-              <a:lnSpc>
-                <a:spcPct val="90000"/>
-              </a:lnSpc>
-              <a:spcBef>
-                <a:spcPct val="30000"/>
-              </a:spcBef>
-              <a:buFont typeface="Arial" panose="020B0604020202020204" pitchFamily="34" charset="0"/>
-              <a:buChar char="•"/>
-              <a:defRPr sz="1800" kern="1200">
-                <a:solidFill>
-                  <a:schemeClr val="tx1"/>
-                </a:solidFill>
-                <a:latin typeface="+mn-lt"/>
-                <a:ea typeface="+mn-ea"/>
-                <a:cs typeface="+mn-cs"/>
-              </a:defRPr>
-            </a:lvl7pPr>
-            <a:lvl8pPr marL="3429000" indent="-228600" algn="l" defTabSz="914400" rtl="0" eaLnBrk="1" latinLnBrk="0" hangingPunct="1">
-              <a:lnSpc>
-                <a:spcPct val="90000"/>
-              </a:lnSpc>
-              <a:spcBef>
-                <a:spcPct val="30000"/>
-              </a:spcBef>
-              <a:buFont typeface="Arial" panose="020B0604020202020204" pitchFamily="34" charset="0"/>
-              <a:buChar char="•"/>
-              <a:defRPr sz="1800" kern="1200">
-                <a:solidFill>
-                  <a:schemeClr val="tx1"/>
-                </a:solidFill>
-                <a:latin typeface="+mn-lt"/>
-                <a:ea typeface="+mn-ea"/>
-                <a:cs typeface="+mn-cs"/>
-              </a:defRPr>
-            </a:lvl8pPr>
-            <a:lvl9pPr marL="3886200" indent="-228600" algn="l" defTabSz="914400" rtl="0" eaLnBrk="1" latinLnBrk="0" hangingPunct="1">
-              <a:lnSpc>
-                <a:spcPct val="90000"/>
-              </a:lnSpc>
-              <a:spcBef>
-                <a:spcPct val="30000"/>
-              </a:spcBef>
-              <a:buFont typeface="Arial" panose="020B0604020202020204" pitchFamily="34" charset="0"/>
-              <a:buChar char="•"/>
-              <a:defRPr sz="1800" kern="1200">
-                <a:solidFill>
-                  <a:schemeClr val="tx1"/>
-                </a:solidFill>
-                <a:latin typeface="+mn-lt"/>
-                <a:ea typeface="+mn-ea"/>
-                <a:cs typeface="+mn-cs"/>
-              </a:defRPr>
-            </a:lvl9pPr>
-          </a:lstStyle>
-          <a:p>
-            <a:pPr marL="0" indent="0">
-              <a:spcAft>
-                <a:spcPts val="2000"/>
-              </a:spcAft>
-              <a:buNone/>
-            </a:pPr>
-            <a:r>
-              <a:rPr lang="en-US" dirty="0">
-                <a:solidFill>
-                  <a:prstClr val="black">
-                    <a:lumMod val="75000"/>
-                    <a:lumOff val="25000"/>
-                  </a:prstClr>
-                </a:solidFill>
-                <a:latin typeface="Segoe UI" panose="020B0502040204020203" pitchFamily="34" charset="0"/>
-                <a:cs typeface="Segoe UI" panose="020B0502040204020203" pitchFamily="34" charset="0"/>
-              </a:rPr>
-              <a:t>Select </a:t>
-            </a:r>
-            <a:r>
-              <a:rPr lang="en-US" dirty="0">
-                <a:solidFill>
-                  <a:srgbClr val="D24726"/>
-                </a:solidFill>
-                <a:latin typeface="Segoe UI" panose="020B0502040204020203" pitchFamily="34" charset="0"/>
-                <a:cs typeface="Segoe UI" panose="020B0502040204020203" pitchFamily="34" charset="0"/>
-              </a:rPr>
-              <a:t>Share</a:t>
-            </a:r>
-            <a:r>
-              <a:rPr lang="en-US" dirty="0">
-                <a:solidFill>
-                  <a:prstClr val="black">
-                    <a:lumMod val="75000"/>
-                    <a:lumOff val="25000"/>
-                  </a:prstClr>
-                </a:solidFill>
-                <a:latin typeface="Segoe UI" panose="020B0502040204020203" pitchFamily="34" charset="0"/>
-                <a:cs typeface="Segoe UI" panose="020B0502040204020203" pitchFamily="34" charset="0"/>
-              </a:rPr>
-              <a:t> from above the ribbon, or by using </a:t>
-            </a:r>
-            <a:r>
-              <a:rPr lang="en-US">
-                <a:solidFill>
-                  <a:prstClr val="black">
-                    <a:lumMod val="75000"/>
-                    <a:lumOff val="25000"/>
-                  </a:prstClr>
-                </a:solidFill>
-                <a:latin typeface="Segoe UI" panose="020B0502040204020203" pitchFamily="34" charset="0"/>
-                <a:cs typeface="Segoe UI" panose="020B0502040204020203" pitchFamily="34" charset="0"/>
-              </a:rPr>
-              <a:t>short-key </a:t>
-            </a:r>
-            <a:r>
-              <a:rPr lang="en-US">
-                <a:solidFill>
-                  <a:srgbClr val="D24726"/>
-                </a:solidFill>
-                <a:latin typeface="Segoe UI" panose="020B0502040204020203" pitchFamily="34" charset="0"/>
-                <a:cs typeface="Segoe UI" panose="020B0502040204020203" pitchFamily="34" charset="0"/>
-              </a:rPr>
-              <a:t>Alt-ZS</a:t>
-            </a:r>
-            <a:r>
-              <a:rPr lang="en-US">
-                <a:solidFill>
-                  <a:prstClr val="black">
-                    <a:lumMod val="75000"/>
-                    <a:lumOff val="25000"/>
-                  </a:prstClr>
-                </a:solidFill>
-                <a:latin typeface="Segoe UI" panose="020B0502040204020203" pitchFamily="34" charset="0"/>
-                <a:cs typeface="Segoe UI" panose="020B0502040204020203" pitchFamily="34" charset="0"/>
-              </a:rPr>
-              <a:t>, </a:t>
-            </a:r>
-            <a:r>
-              <a:rPr lang="en-US" dirty="0">
-                <a:solidFill>
-                  <a:prstClr val="black">
-                    <a:lumMod val="75000"/>
-                    <a:lumOff val="25000"/>
-                  </a:prstClr>
-                </a:solidFill>
-                <a:latin typeface="Segoe UI" panose="020B0502040204020203" pitchFamily="34" charset="0"/>
-                <a:cs typeface="Segoe UI" panose="020B0502040204020203" pitchFamily="34" charset="0"/>
-              </a:rPr>
-              <a:t>to invite people to work with you (You can save to the cloud at this point.)</a:t>
-            </a:r>
-          </a:p>
-        </p:txBody>
-      </p:sp>
-      <p:pic>
-        <p:nvPicPr>
-          <p:cNvPr id="9" name="Picture 8" descr="Marker showing who is working on a slide"/>
-          <p:cNvPicPr>
-            <a:picLocks noChangeAspect="1"/>
-          </p:cNvPicPr>
-          <p:nvPr/>
-        </p:nvPicPr>
-        <p:blipFill>
-          <a:blip r:embed="rId3" cstate="print">
+          </a:ln>
+        </p:spPr>
+        <p:style>
+          <a:lnRef idx="2">
+            <a:schemeClr val="accent1">
+              <a:shade val="50000"/>
+            </a:schemeClr>
+          </a:lnRef>
+          <a:fillRef idx="1">
+            <a:schemeClr val="accent1"/>
+          </a:fillRef>
+          <a:effectRef idx="0">
+            <a:schemeClr val="accent1"/>
+          </a:effectRef>
+          <a:fontRef idx="minor">
+            <a:schemeClr val="lt1"/>
+          </a:fontRef>
+        </p:style>
+        <p:txBody>
+          <a:bodyPr rtlCol="0" anchor="ctr"/>
+          <a:lstStyle/>
+          <a:p>
+            <a:pPr algn="ctr"/>
+            <a:endParaRPr lang="en-US"/>
+          </a:p>
+        </p:txBody>
+      </p:sp>
+      <p:sp>
+        <p:nvSpPr>
+          <p:cNvPr id="53" name="Rectangle 52">
             <a:extLst>
-              <a:ext uri="{28A0092B-C50C-407E-A947-70E740481C1C}">
-                <a14:useLocalDpi xmlns:a14="http://schemas.microsoft.com/office/drawing/2010/main" val="0"/>
+              <a:ext uri="{FF2B5EF4-FFF2-40B4-BE49-F238E27FC236}">
+                <a16:creationId xmlns:a16="http://schemas.microsoft.com/office/drawing/2014/main" id="{056E06B0-2612-48DB-8897-682E1BE684E2}"/>
               </a:ext>
             </a:extLst>
-          </a:blip>
-          <a:stretch>
-            <a:fillRect/>
-          </a:stretch>
-        </p:blipFill>
-        <p:spPr>
-          <a:xfrm>
-            <a:off x="3861352" y="2434307"/>
-            <a:ext cx="3841692" cy="2512928"/>
+          </p:cNvPr>
+          <p:cNvSpPr/>
+          <p:nvPr/>
+        </p:nvSpPr>
+        <p:spPr>
+          <a:xfrm>
+            <a:off x="676275" y="1381125"/>
+            <a:ext cx="10753725" cy="466725"/>
           </a:xfrm>
           <a:prstGeom prst="rect">
             <a:avLst/>
           </a:prstGeom>
-        </p:spPr>
-      </p:pic>
-      <p:grpSp>
-        <p:nvGrpSpPr>
-          <p:cNvPr id="36" name="Group 35" descr="Small circle with number 2 inside indicating step 2"/>
-          <p:cNvGrpSpPr/>
-          <p:nvPr/>
-        </p:nvGrpSpPr>
-        <p:grpSpPr bwMode="blackWhite">
-          <a:xfrm>
-            <a:off x="4249102" y="4531632"/>
-            <a:ext cx="558179" cy="409838"/>
-            <a:chOff x="6953426" y="711274"/>
-            <a:chExt cx="558179" cy="409838"/>
-          </a:xfrm>
-        </p:grpSpPr>
-        <p:sp>
-          <p:nvSpPr>
-            <p:cNvPr id="37" name="Oval 36" descr="Small circle"/>
-            <p:cNvSpPr/>
-            <p:nvPr/>
-          </p:nvSpPr>
-          <p:spPr bwMode="blackWhite">
-            <a:xfrm>
-              <a:off x="7025069" y="711274"/>
-              <a:ext cx="409838" cy="409838"/>
-            </a:xfrm>
-            <a:prstGeom prst="ellipse">
-              <a:avLst/>
-            </a:prstGeom>
+          <a:solidFill>
+            <a:srgbClr val="F8CAB6"/>
+          </a:solidFill>
+          <a:ln>
             <a:solidFill>
               <a:srgbClr val="D24726"/>
             </a:solidFill>
-            <a:ln>
-              <a:noFill/>
-            </a:ln>
-          </p:spPr>
-          <p:style>
-            <a:lnRef idx="2">
-              <a:schemeClr val="accent1">
-                <a:shade val="50000"/>
-              </a:schemeClr>
-            </a:lnRef>
-            <a:fillRef idx="1">
-              <a:schemeClr val="accent1"/>
-            </a:fillRef>
-            <a:effectRef idx="0">
-              <a:schemeClr val="accent1"/>
-            </a:effectRef>
-            <a:fontRef idx="minor">
-              <a:schemeClr val="lt1"/>
-            </a:fontRef>
-          </p:style>
-          <p:txBody>
-            <a:bodyPr rtlCol="0" anchor="ctr"/>
-            <a:lstStyle/>
-            <a:p>
-              <a:pPr algn="ctr"/>
-              <a:endParaRPr lang="en-US" dirty="0"/>
-            </a:p>
-          </p:txBody>
-        </p:sp>
-        <p:sp>
-          <p:nvSpPr>
-            <p:cNvPr id="38" name="TextBox 37" descr="Number 2"/>
-            <p:cNvSpPr txBox="1"/>
-            <p:nvPr/>
-          </p:nvSpPr>
-          <p:spPr bwMode="blackWhite">
-            <a:xfrm>
-              <a:off x="6953426" y="727564"/>
-              <a:ext cx="558179" cy="369332"/>
-            </a:xfrm>
-            <a:prstGeom prst="rect">
-              <a:avLst/>
-            </a:prstGeom>
-            <a:noFill/>
-          </p:spPr>
-          <p:txBody>
-            <a:bodyPr wrap="square" rtlCol="0">
-              <a:spAutoFit/>
-            </a:bodyPr>
-            <a:lstStyle/>
-            <a:p>
-              <a:pPr algn="ctr"/>
-              <a:r>
-                <a:rPr lang="en-US" dirty="0">
-                  <a:solidFill>
-                    <a:schemeClr val="bg1"/>
-                  </a:solidFill>
-                  <a:latin typeface="Segoe UI Semibold" panose="020B0702040204020203" pitchFamily="34" charset="0"/>
-                  <a:cs typeface="Segoe UI Semibold" panose="020B0702040204020203" pitchFamily="34" charset="0"/>
-                </a:rPr>
-                <a:t>2</a:t>
-              </a:r>
-            </a:p>
-          </p:txBody>
-        </p:sp>
-      </p:grpSp>
-      <p:sp>
-        <p:nvSpPr>
-          <p:cNvPr id="43" name="Content Placeholder 17"/>
-          <p:cNvSpPr txBox="1">
-            <a:spLocks/>
-          </p:cNvSpPr>
-          <p:nvPr/>
-        </p:nvSpPr>
-        <p:spPr>
-          <a:xfrm>
-            <a:off x="4747855" y="4571824"/>
-            <a:ext cx="3106367" cy="1324053"/>
+          </a:ln>
+        </p:spPr>
+        <p:style>
+          <a:lnRef idx="2">
+            <a:schemeClr val="accent1">
+              <a:shade val="50000"/>
+            </a:schemeClr>
+          </a:lnRef>
+          <a:fillRef idx="1">
+            <a:schemeClr val="accent1"/>
+          </a:fillRef>
+          <a:effectRef idx="0">
+            <a:schemeClr val="accent1"/>
+          </a:effectRef>
+          <a:fontRef idx="minor">
+            <a:schemeClr val="lt1"/>
+          </a:fontRef>
+        </p:style>
+        <p:txBody>
+          <a:bodyPr rtlCol="0" anchor="ctr"/>
+          <a:lstStyle/>
+          <a:p>
+            <a:pPr algn="ctr"/>
+            <a:endParaRPr lang="en-US" dirty="0"/>
+          </a:p>
+        </p:txBody>
+      </p:sp>
+      <p:sp>
+        <p:nvSpPr>
+          <p:cNvPr id="54" name="Rectangle 53">
+            <a:extLst>
+              <a:ext uri="{FF2B5EF4-FFF2-40B4-BE49-F238E27FC236}">
+                <a16:creationId xmlns:a16="http://schemas.microsoft.com/office/drawing/2014/main" id="{7D2C20C6-5BD7-40C9-A624-B3100AAE8E75}"/>
+              </a:ext>
+            </a:extLst>
+          </p:cNvPr>
+          <p:cNvSpPr/>
+          <p:nvPr/>
+        </p:nvSpPr>
+        <p:spPr>
+          <a:xfrm>
+            <a:off x="1514475" y="1457325"/>
+            <a:ext cx="8543925" cy="315426"/>
           </a:xfrm>
           <a:prstGeom prst="rect">
             <a:avLst/>
           </a:prstGeom>
-        </p:spPr>
-        <p:txBody>
-          <a:bodyPr vert="horz" lIns="91440" tIns="45720" rIns="91440" bIns="45720" rtlCol="0">
-            <a:normAutofit/>
+          <a:solidFill>
+            <a:schemeClr val="bg1"/>
+          </a:solidFill>
+          <a:ln>
+            <a:solidFill>
+              <a:srgbClr val="E4816A"/>
+            </a:solidFill>
+          </a:ln>
+        </p:spPr>
+        <p:style>
+          <a:lnRef idx="2">
+            <a:schemeClr val="accent1">
+              <a:shade val="50000"/>
+            </a:schemeClr>
+          </a:lnRef>
+          <a:fillRef idx="1">
+            <a:schemeClr val="accent1"/>
+          </a:fillRef>
+          <a:effectRef idx="0">
+            <a:schemeClr val="accent1"/>
+          </a:effectRef>
+          <a:fontRef idx="minor">
+            <a:schemeClr val="lt1"/>
+          </a:fontRef>
+        </p:style>
+        <p:txBody>
+          <a:bodyPr rtlCol="0" anchor="ctr"/>
+          <a:lstStyle/>
+          <a:p>
+            <a:pPr algn="ctr"/>
+            <a:endParaRPr lang="en-US"/>
+          </a:p>
+        </p:txBody>
+      </p:sp>
+      <p:sp>
+        <p:nvSpPr>
+          <p:cNvPr id="55" name="Arrow: Right 54">
+            <a:extLst>
+              <a:ext uri="{FF2B5EF4-FFF2-40B4-BE49-F238E27FC236}">
+                <a16:creationId xmlns:a16="http://schemas.microsoft.com/office/drawing/2014/main" id="{5270DBCD-1629-42C0-AB45-457272466A93}"/>
+              </a:ext>
+            </a:extLst>
+          </p:cNvPr>
+          <p:cNvSpPr/>
+          <p:nvPr/>
+        </p:nvSpPr>
+        <p:spPr>
+          <a:xfrm>
+            <a:off x="1110851" y="1506423"/>
+            <a:ext cx="240508" cy="212504"/>
+          </a:xfrm>
+          <a:prstGeom prst="rightArrow">
+            <a:avLst/>
+          </a:prstGeom>
+          <a:solidFill>
+            <a:srgbClr val="D24726"/>
+          </a:solidFill>
+          <a:ln>
+            <a:solidFill>
+              <a:srgbClr val="E4816A"/>
+            </a:solidFill>
+          </a:ln>
+        </p:spPr>
+        <p:style>
+          <a:lnRef idx="2">
+            <a:schemeClr val="accent1">
+              <a:shade val="50000"/>
+            </a:schemeClr>
+          </a:lnRef>
+          <a:fillRef idx="1">
+            <a:schemeClr val="accent1"/>
+          </a:fillRef>
+          <a:effectRef idx="0">
+            <a:schemeClr val="accent1"/>
+          </a:effectRef>
+          <a:fontRef idx="minor">
+            <a:schemeClr val="lt1"/>
+          </a:fontRef>
+        </p:style>
+        <p:txBody>
+          <a:bodyPr rtlCol="0" anchor="ctr"/>
+          <a:lstStyle/>
+          <a:p>
+            <a:pPr algn="ctr"/>
+            <a:endParaRPr lang="en-US"/>
+          </a:p>
+        </p:txBody>
+      </p:sp>
+      <p:sp>
+        <p:nvSpPr>
+          <p:cNvPr id="56" name="Arrow: Right 55">
+            <a:extLst>
+              <a:ext uri="{FF2B5EF4-FFF2-40B4-BE49-F238E27FC236}">
+                <a16:creationId xmlns:a16="http://schemas.microsoft.com/office/drawing/2014/main" id="{25129DD2-1F9D-445B-81BA-1F7584040290}"/>
+              </a:ext>
+            </a:extLst>
+          </p:cNvPr>
+          <p:cNvSpPr/>
+          <p:nvPr/>
+        </p:nvSpPr>
+        <p:spPr>
+          <a:xfrm rot="10800000">
+            <a:off x="785809" y="1506423"/>
+            <a:ext cx="240508" cy="212504"/>
+          </a:xfrm>
+          <a:prstGeom prst="rightArrow">
+            <a:avLst/>
+          </a:prstGeom>
+          <a:solidFill>
+            <a:srgbClr val="D24726"/>
+          </a:solidFill>
+          <a:ln>
+            <a:solidFill>
+              <a:srgbClr val="E4816A"/>
+            </a:solidFill>
+          </a:ln>
+        </p:spPr>
+        <p:style>
+          <a:lnRef idx="2">
+            <a:schemeClr val="accent1">
+              <a:shade val="50000"/>
+            </a:schemeClr>
+          </a:lnRef>
+          <a:fillRef idx="1">
+            <a:schemeClr val="accent1"/>
+          </a:fillRef>
+          <a:effectRef idx="0">
+            <a:schemeClr val="accent1"/>
+          </a:effectRef>
+          <a:fontRef idx="minor">
+            <a:schemeClr val="lt1"/>
+          </a:fontRef>
+        </p:style>
+        <p:txBody>
+          <a:bodyPr rtlCol="0" anchor="ctr"/>
+          <a:lstStyle/>
+          <a:p>
+            <a:pPr algn="ctr"/>
+            <a:endParaRPr lang="en-US"/>
+          </a:p>
+        </p:txBody>
+      </p:sp>
+      <p:sp>
+        <p:nvSpPr>
+          <p:cNvPr id="57" name="TextBox 56">
+            <a:extLst>
+              <a:ext uri="{FF2B5EF4-FFF2-40B4-BE49-F238E27FC236}">
+                <a16:creationId xmlns:a16="http://schemas.microsoft.com/office/drawing/2014/main" id="{0A277073-3B17-4ED7-A30D-C16EF596D3F3}"/>
+              </a:ext>
+            </a:extLst>
+          </p:cNvPr>
+          <p:cNvSpPr txBox="1"/>
+          <p:nvPr/>
+        </p:nvSpPr>
+        <p:spPr>
+          <a:xfrm>
+            <a:off x="10068542" y="1428009"/>
+            <a:ext cx="478016" cy="369332"/>
+          </a:xfrm>
+          <a:prstGeom prst="rect">
+            <a:avLst/>
+          </a:prstGeom>
+          <a:noFill/>
+        </p:spPr>
+        <p:txBody>
+          <a:bodyPr wrap="none" rtlCol="0">
+            <a:spAutoFit/>
           </a:bodyPr>
-          <a:lstStyle>
-            <a:lvl1pPr marL="228600" indent="-228600" algn="l" defTabSz="914400" rtl="0" eaLnBrk="1" latinLnBrk="0" hangingPunct="1">
-              <a:lnSpc>
-                <a:spcPts val="1800"/>
-              </a:lnSpc>
-              <a:spcBef>
-                <a:spcPts val="1000"/>
-              </a:spcBef>
-              <a:spcAft>
-                <a:spcPts val="1000"/>
-              </a:spcAft>
-              <a:buFont typeface="Arial" panose="020B0604020202020204" pitchFamily="34" charset="0"/>
-              <a:buChar char="•"/>
-              <a:defRPr lang="en-US" sz="1200" kern="1200" smtClean="0">
-                <a:solidFill>
-                  <a:schemeClr val="tx1">
-                    <a:lumMod val="75000"/>
-                    <a:lumOff val="25000"/>
-                  </a:schemeClr>
-                </a:solidFill>
-                <a:latin typeface="+mn-lt"/>
-                <a:ea typeface="+mn-ea"/>
-                <a:cs typeface="+mn-cs"/>
-              </a:defRPr>
-            </a:lvl1pPr>
-            <a:lvl2pPr marL="685800" indent="-228600" algn="l" defTabSz="914400" rtl="0" eaLnBrk="1" latinLnBrk="0" hangingPunct="1">
-              <a:lnSpc>
-                <a:spcPts val="1800"/>
-              </a:lnSpc>
-              <a:spcBef>
-                <a:spcPts val="1000"/>
-              </a:spcBef>
-              <a:spcAft>
-                <a:spcPts val="1000"/>
-              </a:spcAft>
-              <a:buFont typeface="Arial" panose="020B0604020202020204" pitchFamily="34" charset="0"/>
-              <a:buChar char="•"/>
-              <a:defRPr lang="en-US" sz="1200" kern="1200" smtClean="0">
-                <a:solidFill>
-                  <a:schemeClr val="tx1">
-                    <a:lumMod val="75000"/>
-                    <a:lumOff val="25000"/>
-                  </a:schemeClr>
-                </a:solidFill>
-                <a:latin typeface="+mn-lt"/>
-                <a:ea typeface="+mn-ea"/>
-                <a:cs typeface="+mn-cs"/>
-              </a:defRPr>
-            </a:lvl2pPr>
-            <a:lvl3pPr marL="1143000" indent="-228600" algn="l" defTabSz="914400" rtl="0" eaLnBrk="1" latinLnBrk="0" hangingPunct="1">
-              <a:lnSpc>
-                <a:spcPts val="1800"/>
-              </a:lnSpc>
-              <a:spcBef>
-                <a:spcPts val="1000"/>
-              </a:spcBef>
-              <a:spcAft>
-                <a:spcPts val="1000"/>
-              </a:spcAft>
-              <a:buFont typeface="Arial" panose="020B0604020202020204" pitchFamily="34" charset="0"/>
-              <a:buChar char="•"/>
-              <a:defRPr lang="en-US" sz="1200" kern="1200" smtClean="0">
-                <a:solidFill>
-                  <a:schemeClr val="tx1">
-                    <a:lumMod val="75000"/>
-                    <a:lumOff val="25000"/>
-                  </a:schemeClr>
-                </a:solidFill>
-                <a:latin typeface="+mn-lt"/>
-                <a:ea typeface="+mn-ea"/>
-                <a:cs typeface="+mn-cs"/>
-              </a:defRPr>
-            </a:lvl3pPr>
-            <a:lvl4pPr marL="1600200" indent="-228600" algn="l" defTabSz="914400" rtl="0" eaLnBrk="1" latinLnBrk="0" hangingPunct="1">
-              <a:lnSpc>
-                <a:spcPts val="1800"/>
-              </a:lnSpc>
-              <a:spcBef>
-                <a:spcPts val="1000"/>
-              </a:spcBef>
-              <a:spcAft>
-                <a:spcPts val="1000"/>
-              </a:spcAft>
-              <a:buFont typeface="Arial" panose="020B0604020202020204" pitchFamily="34" charset="0"/>
-              <a:buChar char="•"/>
-              <a:defRPr lang="en-US" sz="1200" kern="1200" smtClean="0">
-                <a:solidFill>
-                  <a:schemeClr val="tx1">
-                    <a:lumMod val="75000"/>
-                    <a:lumOff val="25000"/>
-                  </a:schemeClr>
-                </a:solidFill>
-                <a:latin typeface="+mn-lt"/>
-                <a:ea typeface="+mn-ea"/>
-                <a:cs typeface="+mn-cs"/>
-              </a:defRPr>
-            </a:lvl4pPr>
-            <a:lvl5pPr marL="2057400" indent="-228600" algn="l" defTabSz="914400" rtl="0" eaLnBrk="1" latinLnBrk="0" hangingPunct="1">
-              <a:lnSpc>
-                <a:spcPts val="1800"/>
-              </a:lnSpc>
-              <a:spcBef>
-                <a:spcPts val="1000"/>
-              </a:spcBef>
-              <a:spcAft>
-                <a:spcPts val="1000"/>
-              </a:spcAft>
-              <a:buFont typeface="Arial" panose="020B0604020202020204" pitchFamily="34" charset="0"/>
-              <a:buChar char="•"/>
-              <a:defRPr lang="en-US" sz="1200" kern="1200">
-                <a:solidFill>
-                  <a:schemeClr val="tx1">
-                    <a:lumMod val="75000"/>
-                    <a:lumOff val="25000"/>
-                  </a:schemeClr>
-                </a:solidFill>
-                <a:latin typeface="+mn-lt"/>
-                <a:ea typeface="+mn-ea"/>
-                <a:cs typeface="+mn-cs"/>
-              </a:defRPr>
-            </a:lvl5pPr>
-            <a:lvl6pPr marL="2514600" indent="-228600" algn="l" defTabSz="914400" rtl="0" eaLnBrk="1" latinLnBrk="0" hangingPunct="1">
-              <a:lnSpc>
-                <a:spcPct val="90000"/>
-              </a:lnSpc>
-              <a:spcBef>
-                <a:spcPct val="30000"/>
-              </a:spcBef>
-              <a:buFont typeface="Arial" panose="020B0604020202020204" pitchFamily="34" charset="0"/>
-              <a:buChar char="•"/>
-              <a:defRPr sz="1800" kern="1200">
-                <a:solidFill>
-                  <a:schemeClr val="tx1"/>
-                </a:solidFill>
-                <a:latin typeface="+mn-lt"/>
-                <a:ea typeface="+mn-ea"/>
-                <a:cs typeface="+mn-cs"/>
-              </a:defRPr>
-            </a:lvl6pPr>
-            <a:lvl7pPr marL="2971800" indent="-228600" algn="l" defTabSz="914400" rtl="0" eaLnBrk="1" latinLnBrk="0" hangingPunct="1">
-              <a:lnSpc>
-                <a:spcPct val="90000"/>
-              </a:lnSpc>
-              <a:spcBef>
-                <a:spcPct val="30000"/>
-              </a:spcBef>
-              <a:buFont typeface="Arial" panose="020B0604020202020204" pitchFamily="34" charset="0"/>
-              <a:buChar char="•"/>
-              <a:defRPr sz="1800" kern="1200">
-                <a:solidFill>
-                  <a:schemeClr val="tx1"/>
-                </a:solidFill>
-                <a:latin typeface="+mn-lt"/>
-                <a:ea typeface="+mn-ea"/>
-                <a:cs typeface="+mn-cs"/>
-              </a:defRPr>
-            </a:lvl7pPr>
-            <a:lvl8pPr marL="3429000" indent="-228600" algn="l" defTabSz="914400" rtl="0" eaLnBrk="1" latinLnBrk="0" hangingPunct="1">
-              <a:lnSpc>
-                <a:spcPct val="90000"/>
-              </a:lnSpc>
-              <a:spcBef>
-                <a:spcPct val="30000"/>
-              </a:spcBef>
-              <a:buFont typeface="Arial" panose="020B0604020202020204" pitchFamily="34" charset="0"/>
-              <a:buChar char="•"/>
-              <a:defRPr sz="1800" kern="1200">
-                <a:solidFill>
-                  <a:schemeClr val="tx1"/>
-                </a:solidFill>
-                <a:latin typeface="+mn-lt"/>
-                <a:ea typeface="+mn-ea"/>
-                <a:cs typeface="+mn-cs"/>
-              </a:defRPr>
-            </a:lvl8pPr>
-            <a:lvl9pPr marL="3886200" indent="-228600" algn="l" defTabSz="914400" rtl="0" eaLnBrk="1" latinLnBrk="0" hangingPunct="1">
-              <a:lnSpc>
-                <a:spcPct val="90000"/>
-              </a:lnSpc>
-              <a:spcBef>
-                <a:spcPct val="30000"/>
-              </a:spcBef>
-              <a:buFont typeface="Arial" panose="020B0604020202020204" pitchFamily="34" charset="0"/>
-              <a:buChar char="•"/>
-              <a:defRPr sz="1800" kern="1200">
-                <a:solidFill>
-                  <a:schemeClr val="tx1"/>
-                </a:solidFill>
-                <a:latin typeface="+mn-lt"/>
-                <a:ea typeface="+mn-ea"/>
-                <a:cs typeface="+mn-cs"/>
-              </a:defRPr>
-            </a:lvl9pPr>
-          </a:lstStyle>
-          <a:p>
-            <a:pPr marL="0" indent="0">
-              <a:spcAft>
-                <a:spcPts val="2000"/>
-              </a:spcAft>
-              <a:buNone/>
-            </a:pPr>
+          <a:lstStyle/>
+          <a:p>
             <a:r>
               <a:rPr lang="en-US" dirty="0">
                 <a:solidFill>
-                  <a:prstClr val="black">
-                    <a:lumMod val="75000"/>
-                    <a:lumOff val="25000"/>
-                  </a:prstClr>
+                  <a:srgbClr val="923922"/>
                 </a:solidFill>
-                <a:latin typeface="Segoe UI" panose="020B0502040204020203" pitchFamily="34" charset="0"/>
-                <a:cs typeface="Segoe UI" panose="020B0502040204020203" pitchFamily="34" charset="0"/>
               </a:rPr>
-              <a:t>When other people are in the presentation, a marker shows who is on which slide…</a:t>
-            </a:r>
-          </a:p>
-        </p:txBody>
-      </p:sp>
-      <p:pic>
-        <p:nvPicPr>
-          <p:cNvPr id="12" name="Picture 11" descr="Maker showing the part of the slide being edited"/>
-          <p:cNvPicPr>
-            <a:picLocks noChangeAspect="1"/>
-          </p:cNvPicPr>
-          <p:nvPr/>
-        </p:nvPicPr>
-        <p:blipFill>
-          <a:blip r:embed="rId4" cstate="print">
+              <a:t>Go</a:t>
+            </a:r>
+          </a:p>
+        </p:txBody>
+      </p:sp>
+      <p:sp>
+        <p:nvSpPr>
+          <p:cNvPr id="62" name="TextBox 61">
             <a:extLst>
-              <a:ext uri="{28A0092B-C50C-407E-A947-70E740481C1C}">
-                <a14:useLocalDpi xmlns:a14="http://schemas.microsoft.com/office/drawing/2010/main" val="0"/>
+              <a:ext uri="{FF2B5EF4-FFF2-40B4-BE49-F238E27FC236}">
+                <a16:creationId xmlns:a16="http://schemas.microsoft.com/office/drawing/2014/main" id="{540F00F7-A877-4AAD-B17B-FDA9C974A8A6}"/>
               </a:ext>
             </a:extLst>
-          </a:blip>
-          <a:stretch>
-            <a:fillRect/>
-          </a:stretch>
-        </p:blipFill>
-        <p:spPr>
-          <a:xfrm>
-            <a:off x="7899419" y="2350394"/>
-            <a:ext cx="3563782" cy="2305344"/>
+          </p:cNvPr>
+          <p:cNvSpPr txBox="1"/>
+          <p:nvPr/>
+        </p:nvSpPr>
+        <p:spPr>
+          <a:xfrm>
+            <a:off x="7024515" y="1926383"/>
+            <a:ext cx="2806785" cy="369332"/>
           </a:xfrm>
           <a:prstGeom prst="rect">
             <a:avLst/>
           </a:prstGeom>
-        </p:spPr>
-      </p:pic>
-      <p:grpSp>
-        <p:nvGrpSpPr>
-          <p:cNvPr id="39" name="Group 38" descr="Small circle with number 3 inside  indicating step 3"/>
-          <p:cNvGrpSpPr/>
-          <p:nvPr/>
-        </p:nvGrpSpPr>
-        <p:grpSpPr bwMode="blackWhite">
-          <a:xfrm>
-            <a:off x="7930921" y="4531632"/>
-            <a:ext cx="558179" cy="409838"/>
-            <a:chOff x="6953426" y="711274"/>
-            <a:chExt cx="558179" cy="409838"/>
-          </a:xfrm>
-        </p:grpSpPr>
-        <p:sp>
-          <p:nvSpPr>
-            <p:cNvPr id="40" name="Oval 39" descr="Small circle"/>
-            <p:cNvSpPr/>
-            <p:nvPr/>
-          </p:nvSpPr>
-          <p:spPr bwMode="blackWhite">
-            <a:xfrm>
-              <a:off x="7025069" y="711274"/>
-              <a:ext cx="409838" cy="409838"/>
-            </a:xfrm>
-            <a:prstGeom prst="ellipse">
-              <a:avLst/>
-            </a:prstGeom>
+          <a:noFill/>
+        </p:spPr>
+        <p:txBody>
+          <a:bodyPr wrap="square" rtlCol="0">
+            <a:spAutoFit/>
+          </a:bodyPr>
+          <a:lstStyle/>
+          <a:p>
+            <a:r>
+              <a:rPr lang="en-US" i="1" u="sng" dirty="0"/>
+              <a:t>User name / Department</a:t>
+            </a:r>
+          </a:p>
+        </p:txBody>
+      </p:sp>
+      <p:sp>
+        <p:nvSpPr>
+          <p:cNvPr id="63" name="TextBox 62">
+            <a:extLst>
+              <a:ext uri="{FF2B5EF4-FFF2-40B4-BE49-F238E27FC236}">
+                <a16:creationId xmlns:a16="http://schemas.microsoft.com/office/drawing/2014/main" id="{860A7431-3DCF-47EE-AB34-891500DB22A3}"/>
+              </a:ext>
+            </a:extLst>
+          </p:cNvPr>
+          <p:cNvSpPr txBox="1"/>
+          <p:nvPr/>
+        </p:nvSpPr>
+        <p:spPr>
+          <a:xfrm>
+            <a:off x="10307550" y="1926383"/>
+            <a:ext cx="1003215" cy="369332"/>
+          </a:xfrm>
+          <a:prstGeom prst="rect">
+            <a:avLst/>
+          </a:prstGeom>
+          <a:noFill/>
+        </p:spPr>
+        <p:txBody>
+          <a:bodyPr wrap="square" rtlCol="0">
+            <a:spAutoFit/>
+          </a:bodyPr>
+          <a:lstStyle/>
+          <a:p>
+            <a:r>
+              <a:rPr lang="en-US" i="1" u="sng" dirty="0"/>
+              <a:t>Logout</a:t>
+            </a:r>
+          </a:p>
+        </p:txBody>
+      </p:sp>
+      <p:sp>
+        <p:nvSpPr>
+          <p:cNvPr id="67" name="TextBox 66">
+            <a:extLst>
+              <a:ext uri="{FF2B5EF4-FFF2-40B4-BE49-F238E27FC236}">
+                <a16:creationId xmlns:a16="http://schemas.microsoft.com/office/drawing/2014/main" id="{28CD9505-7E7C-49D2-BE53-8D27B0FF94AB}"/>
+              </a:ext>
+            </a:extLst>
+          </p:cNvPr>
+          <p:cNvSpPr txBox="1"/>
+          <p:nvPr/>
+        </p:nvSpPr>
+        <p:spPr>
+          <a:xfrm>
+            <a:off x="762000" y="1926383"/>
+            <a:ext cx="2422627" cy="369332"/>
+          </a:xfrm>
+          <a:prstGeom prst="rect">
+            <a:avLst/>
+          </a:prstGeom>
+          <a:noFill/>
+        </p:spPr>
+        <p:txBody>
+          <a:bodyPr wrap="square" rtlCol="0">
+            <a:spAutoFit/>
+          </a:bodyPr>
+          <a:lstStyle/>
+          <a:p>
+            <a:r>
+              <a:rPr lang="en-US" i="1" u="sng" dirty="0"/>
+              <a:t>Back to Notifications`</a:t>
+            </a:r>
+          </a:p>
+        </p:txBody>
+      </p:sp>
+      <p:sp>
+        <p:nvSpPr>
+          <p:cNvPr id="69" name="Rectangle 68">
+            <a:extLst>
+              <a:ext uri="{FF2B5EF4-FFF2-40B4-BE49-F238E27FC236}">
+                <a16:creationId xmlns:a16="http://schemas.microsoft.com/office/drawing/2014/main" id="{1B8799D4-0D71-40E1-9903-5097925C1BB4}"/>
+              </a:ext>
+            </a:extLst>
+          </p:cNvPr>
+          <p:cNvSpPr/>
+          <p:nvPr/>
+        </p:nvSpPr>
+        <p:spPr>
+          <a:xfrm>
+            <a:off x="2160030" y="2538317"/>
+            <a:ext cx="7781925" cy="3629025"/>
+          </a:xfrm>
+          <a:prstGeom prst="rect">
+            <a:avLst/>
+          </a:prstGeom>
+          <a:noFill/>
+          <a:ln>
             <a:solidFill>
-              <a:srgbClr val="D24726"/>
+              <a:srgbClr val="E4816A"/>
             </a:solidFill>
-            <a:ln>
-              <a:noFill/>
-            </a:ln>
-          </p:spPr>
-          <p:style>
-            <a:lnRef idx="2">
-              <a:schemeClr val="accent1">
-                <a:shade val="50000"/>
-              </a:schemeClr>
-            </a:lnRef>
-            <a:fillRef idx="1">
-              <a:schemeClr val="accent1"/>
-            </a:fillRef>
-            <a:effectRef idx="0">
-              <a:schemeClr val="accent1"/>
-            </a:effectRef>
-            <a:fontRef idx="minor">
-              <a:schemeClr val="lt1"/>
-            </a:fontRef>
-          </p:style>
-          <p:txBody>
-            <a:bodyPr rtlCol="0" anchor="ctr"/>
-            <a:lstStyle/>
-            <a:p>
-              <a:pPr algn="ctr"/>
-              <a:endParaRPr lang="en-US" dirty="0"/>
-            </a:p>
-          </p:txBody>
-        </p:sp>
-        <p:sp>
-          <p:nvSpPr>
-            <p:cNvPr id="41" name="TextBox 40" descr="Number 3"/>
-            <p:cNvSpPr txBox="1"/>
-            <p:nvPr/>
-          </p:nvSpPr>
-          <p:spPr bwMode="blackWhite">
-            <a:xfrm>
-              <a:off x="6953426" y="727564"/>
-              <a:ext cx="558179" cy="369332"/>
-            </a:xfrm>
-            <a:prstGeom prst="rect">
-              <a:avLst/>
-            </a:prstGeom>
-            <a:noFill/>
-          </p:spPr>
-          <p:txBody>
-            <a:bodyPr wrap="square" rtlCol="0">
-              <a:spAutoFit/>
-            </a:bodyPr>
-            <a:lstStyle/>
-            <a:p>
-              <a:pPr algn="ctr"/>
-              <a:r>
-                <a:rPr lang="en-US" dirty="0">
-                  <a:solidFill>
-                    <a:schemeClr val="bg1"/>
-                  </a:solidFill>
-                  <a:latin typeface="Segoe UI Semibold" panose="020B0702040204020203" pitchFamily="34" charset="0"/>
-                  <a:cs typeface="Segoe UI Semibold" panose="020B0702040204020203" pitchFamily="34" charset="0"/>
-                </a:rPr>
-                <a:t>3</a:t>
-              </a:r>
-            </a:p>
-          </p:txBody>
-        </p:sp>
-      </p:grpSp>
-      <p:sp>
-        <p:nvSpPr>
-          <p:cNvPr id="44" name="Content Placeholder 17"/>
-          <p:cNvSpPr txBox="1">
-            <a:spLocks/>
-          </p:cNvSpPr>
-          <p:nvPr/>
-        </p:nvSpPr>
-        <p:spPr>
-          <a:xfrm>
-            <a:off x="8429668" y="4571824"/>
-            <a:ext cx="2658635" cy="697760"/>
+          </a:ln>
+        </p:spPr>
+        <p:style>
+          <a:lnRef idx="2">
+            <a:schemeClr val="accent1">
+              <a:shade val="50000"/>
+            </a:schemeClr>
+          </a:lnRef>
+          <a:fillRef idx="1">
+            <a:schemeClr val="accent1"/>
+          </a:fillRef>
+          <a:effectRef idx="0">
+            <a:schemeClr val="accent1"/>
+          </a:effectRef>
+          <a:fontRef idx="minor">
+            <a:schemeClr val="lt1"/>
+          </a:fontRef>
+        </p:style>
+        <p:txBody>
+          <a:bodyPr rtlCol="0" anchor="ctr"/>
+          <a:lstStyle/>
+          <a:p>
+            <a:pPr algn="ctr"/>
+            <a:endParaRPr lang="en-US"/>
+          </a:p>
+        </p:txBody>
+      </p:sp>
+      <p:sp>
+        <p:nvSpPr>
+          <p:cNvPr id="70" name="Rectangle 69">
+            <a:extLst>
+              <a:ext uri="{FF2B5EF4-FFF2-40B4-BE49-F238E27FC236}">
+                <a16:creationId xmlns:a16="http://schemas.microsoft.com/office/drawing/2014/main" id="{949598BE-2026-4FD0-92FA-653E4061FF26}"/>
+              </a:ext>
+            </a:extLst>
+          </p:cNvPr>
+          <p:cNvSpPr/>
+          <p:nvPr/>
+        </p:nvSpPr>
+        <p:spPr>
+          <a:xfrm>
+            <a:off x="2160030" y="2538317"/>
+            <a:ext cx="7781925" cy="466725"/>
           </a:xfrm>
           <a:prstGeom prst="rect">
             <a:avLst/>
           </a:prstGeom>
-        </p:spPr>
-        <p:txBody>
-          <a:bodyPr vert="horz" lIns="91440" tIns="45720" rIns="91440" bIns="45720" rtlCol="0">
-            <a:normAutofit/>
+          <a:noFill/>
+          <a:ln>
+            <a:solidFill>
+              <a:srgbClr val="E4816A"/>
+            </a:solidFill>
+          </a:ln>
+        </p:spPr>
+        <p:style>
+          <a:lnRef idx="2">
+            <a:schemeClr val="accent1">
+              <a:shade val="50000"/>
+            </a:schemeClr>
+          </a:lnRef>
+          <a:fillRef idx="1">
+            <a:schemeClr val="accent1"/>
+          </a:fillRef>
+          <a:effectRef idx="0">
+            <a:schemeClr val="accent1"/>
+          </a:effectRef>
+          <a:fontRef idx="minor">
+            <a:schemeClr val="lt1"/>
+          </a:fontRef>
+        </p:style>
+        <p:txBody>
+          <a:bodyPr rtlCol="0" anchor="ctr"/>
+          <a:lstStyle/>
+          <a:p>
+            <a:pPr algn="ctr"/>
+            <a:endParaRPr lang="en-US"/>
+          </a:p>
+        </p:txBody>
+      </p:sp>
+      <p:sp>
+        <p:nvSpPr>
+          <p:cNvPr id="71" name="Rectangle 70">
+            <a:extLst>
+              <a:ext uri="{FF2B5EF4-FFF2-40B4-BE49-F238E27FC236}">
+                <a16:creationId xmlns:a16="http://schemas.microsoft.com/office/drawing/2014/main" id="{948C26F9-5A7E-4D81-8E27-C313B8B7211E}"/>
+              </a:ext>
+            </a:extLst>
+          </p:cNvPr>
+          <p:cNvSpPr/>
+          <p:nvPr/>
+        </p:nvSpPr>
+        <p:spPr>
+          <a:xfrm>
+            <a:off x="2160029" y="2971514"/>
+            <a:ext cx="7781925" cy="466725"/>
+          </a:xfrm>
+          <a:prstGeom prst="rect">
+            <a:avLst/>
+          </a:prstGeom>
+          <a:solidFill>
+            <a:schemeClr val="bg1"/>
+          </a:solidFill>
+          <a:ln>
+            <a:solidFill>
+              <a:srgbClr val="E4816A"/>
+            </a:solidFill>
+          </a:ln>
+        </p:spPr>
+        <p:style>
+          <a:lnRef idx="2">
+            <a:schemeClr val="accent1">
+              <a:shade val="50000"/>
+            </a:schemeClr>
+          </a:lnRef>
+          <a:fillRef idx="1">
+            <a:schemeClr val="accent1"/>
+          </a:fillRef>
+          <a:effectRef idx="0">
+            <a:schemeClr val="accent1"/>
+          </a:effectRef>
+          <a:fontRef idx="minor">
+            <a:schemeClr val="lt1"/>
+          </a:fontRef>
+        </p:style>
+        <p:txBody>
+          <a:bodyPr rtlCol="0" anchor="ctr"/>
+          <a:lstStyle/>
+          <a:p>
+            <a:pPr algn="ctr"/>
+            <a:endParaRPr lang="en-US"/>
+          </a:p>
+        </p:txBody>
+      </p:sp>
+      <p:sp>
+        <p:nvSpPr>
+          <p:cNvPr id="72" name="Rectangle 71">
+            <a:extLst>
+              <a:ext uri="{FF2B5EF4-FFF2-40B4-BE49-F238E27FC236}">
+                <a16:creationId xmlns:a16="http://schemas.microsoft.com/office/drawing/2014/main" id="{4FEC15D5-7236-466F-87B3-BC6B1FBE2C3F}"/>
+              </a:ext>
+            </a:extLst>
+          </p:cNvPr>
+          <p:cNvSpPr/>
+          <p:nvPr/>
+        </p:nvSpPr>
+        <p:spPr>
+          <a:xfrm>
+            <a:off x="2160029" y="3438239"/>
+            <a:ext cx="7781925" cy="466725"/>
+          </a:xfrm>
+          <a:prstGeom prst="rect">
+            <a:avLst/>
+          </a:prstGeom>
+          <a:solidFill>
+            <a:schemeClr val="bg1"/>
+          </a:solidFill>
+          <a:ln>
+            <a:solidFill>
+              <a:srgbClr val="E4816A"/>
+            </a:solidFill>
+          </a:ln>
+        </p:spPr>
+        <p:style>
+          <a:lnRef idx="2">
+            <a:schemeClr val="accent1">
+              <a:shade val="50000"/>
+            </a:schemeClr>
+          </a:lnRef>
+          <a:fillRef idx="1">
+            <a:schemeClr val="accent1"/>
+          </a:fillRef>
+          <a:effectRef idx="0">
+            <a:schemeClr val="accent1"/>
+          </a:effectRef>
+          <a:fontRef idx="minor">
+            <a:schemeClr val="lt1"/>
+          </a:fontRef>
+        </p:style>
+        <p:txBody>
+          <a:bodyPr rtlCol="0" anchor="ctr"/>
+          <a:lstStyle/>
+          <a:p>
+            <a:pPr algn="ctr"/>
+            <a:endParaRPr lang="en-US"/>
+          </a:p>
+        </p:txBody>
+      </p:sp>
+      <p:sp>
+        <p:nvSpPr>
+          <p:cNvPr id="73" name="Rectangle 72">
+            <a:extLst>
+              <a:ext uri="{FF2B5EF4-FFF2-40B4-BE49-F238E27FC236}">
+                <a16:creationId xmlns:a16="http://schemas.microsoft.com/office/drawing/2014/main" id="{7CC0F5BF-1C5F-4A24-88BB-70B7D52B07D1}"/>
+              </a:ext>
+            </a:extLst>
+          </p:cNvPr>
+          <p:cNvSpPr/>
+          <p:nvPr/>
+        </p:nvSpPr>
+        <p:spPr>
+          <a:xfrm>
+            <a:off x="2160029" y="3886104"/>
+            <a:ext cx="7781925" cy="466725"/>
+          </a:xfrm>
+          <a:prstGeom prst="rect">
+            <a:avLst/>
+          </a:prstGeom>
+          <a:solidFill>
+            <a:schemeClr val="bg1"/>
+          </a:solidFill>
+          <a:ln>
+            <a:solidFill>
+              <a:srgbClr val="E4816A"/>
+            </a:solidFill>
+          </a:ln>
+        </p:spPr>
+        <p:style>
+          <a:lnRef idx="2">
+            <a:schemeClr val="accent1">
+              <a:shade val="50000"/>
+            </a:schemeClr>
+          </a:lnRef>
+          <a:fillRef idx="1">
+            <a:schemeClr val="accent1"/>
+          </a:fillRef>
+          <a:effectRef idx="0">
+            <a:schemeClr val="accent1"/>
+          </a:effectRef>
+          <a:fontRef idx="minor">
+            <a:schemeClr val="lt1"/>
+          </a:fontRef>
+        </p:style>
+        <p:txBody>
+          <a:bodyPr rtlCol="0" anchor="ctr"/>
+          <a:lstStyle/>
+          <a:p>
+            <a:pPr algn="ctr"/>
+            <a:endParaRPr lang="en-US"/>
+          </a:p>
+        </p:txBody>
+      </p:sp>
+      <p:sp>
+        <p:nvSpPr>
+          <p:cNvPr id="74" name="Rectangle 73">
+            <a:extLst>
+              <a:ext uri="{FF2B5EF4-FFF2-40B4-BE49-F238E27FC236}">
+                <a16:creationId xmlns:a16="http://schemas.microsoft.com/office/drawing/2014/main" id="{ACBAA658-C024-4492-ABF1-02A44C41CC26}"/>
+              </a:ext>
+            </a:extLst>
+          </p:cNvPr>
+          <p:cNvSpPr/>
+          <p:nvPr/>
+        </p:nvSpPr>
+        <p:spPr>
+          <a:xfrm>
+            <a:off x="2160028" y="4352829"/>
+            <a:ext cx="7781925" cy="466725"/>
+          </a:xfrm>
+          <a:prstGeom prst="rect">
+            <a:avLst/>
+          </a:prstGeom>
+          <a:solidFill>
+            <a:schemeClr val="bg1"/>
+          </a:solidFill>
+          <a:ln>
+            <a:solidFill>
+              <a:srgbClr val="E4816A"/>
+            </a:solidFill>
+          </a:ln>
+        </p:spPr>
+        <p:style>
+          <a:lnRef idx="2">
+            <a:schemeClr val="accent1">
+              <a:shade val="50000"/>
+            </a:schemeClr>
+          </a:lnRef>
+          <a:fillRef idx="1">
+            <a:schemeClr val="accent1"/>
+          </a:fillRef>
+          <a:effectRef idx="0">
+            <a:schemeClr val="accent1"/>
+          </a:effectRef>
+          <a:fontRef idx="minor">
+            <a:schemeClr val="lt1"/>
+          </a:fontRef>
+        </p:style>
+        <p:txBody>
+          <a:bodyPr rtlCol="0" anchor="ctr"/>
+          <a:lstStyle/>
+          <a:p>
+            <a:pPr algn="ctr"/>
+            <a:endParaRPr lang="en-US"/>
+          </a:p>
+        </p:txBody>
+      </p:sp>
+      <p:sp>
+        <p:nvSpPr>
+          <p:cNvPr id="75" name="TextBox 74">
+            <a:extLst>
+              <a:ext uri="{FF2B5EF4-FFF2-40B4-BE49-F238E27FC236}">
+                <a16:creationId xmlns:a16="http://schemas.microsoft.com/office/drawing/2014/main" id="{39ED43B3-188E-4810-B8D0-C35368CC66D6}"/>
+              </a:ext>
+            </a:extLst>
+          </p:cNvPr>
+          <p:cNvSpPr txBox="1"/>
+          <p:nvPr/>
+        </p:nvSpPr>
+        <p:spPr>
+          <a:xfrm>
+            <a:off x="2239322" y="2570250"/>
+            <a:ext cx="1269899" cy="369332"/>
+          </a:xfrm>
+          <a:prstGeom prst="rect">
+            <a:avLst/>
+          </a:prstGeom>
+          <a:noFill/>
+        </p:spPr>
+        <p:txBody>
+          <a:bodyPr wrap="none" rtlCol="0">
+            <a:spAutoFit/>
           </a:bodyPr>
-          <a:lstStyle>
-            <a:lvl1pPr marL="228600" indent="-228600" algn="l" defTabSz="914400" rtl="0" eaLnBrk="1" latinLnBrk="0" hangingPunct="1">
-              <a:lnSpc>
-                <a:spcPts val="1800"/>
-              </a:lnSpc>
-              <a:spcBef>
-                <a:spcPts val="1000"/>
-              </a:spcBef>
-              <a:spcAft>
-                <a:spcPts val="1000"/>
-              </a:spcAft>
-              <a:buFont typeface="Arial" panose="020B0604020202020204" pitchFamily="34" charset="0"/>
-              <a:buChar char="•"/>
-              <a:defRPr lang="en-US" sz="1200" kern="1200" smtClean="0">
-                <a:solidFill>
-                  <a:schemeClr val="tx1">
-                    <a:lumMod val="75000"/>
-                    <a:lumOff val="25000"/>
-                  </a:schemeClr>
-                </a:solidFill>
-                <a:latin typeface="+mn-lt"/>
-                <a:ea typeface="+mn-ea"/>
-                <a:cs typeface="+mn-cs"/>
-              </a:defRPr>
-            </a:lvl1pPr>
-            <a:lvl2pPr marL="685800" indent="-228600" algn="l" defTabSz="914400" rtl="0" eaLnBrk="1" latinLnBrk="0" hangingPunct="1">
-              <a:lnSpc>
-                <a:spcPts val="1800"/>
-              </a:lnSpc>
-              <a:spcBef>
-                <a:spcPts val="1000"/>
-              </a:spcBef>
-              <a:spcAft>
-                <a:spcPts val="1000"/>
-              </a:spcAft>
-              <a:buFont typeface="Arial" panose="020B0604020202020204" pitchFamily="34" charset="0"/>
-              <a:buChar char="•"/>
-              <a:defRPr lang="en-US" sz="1200" kern="1200" smtClean="0">
-                <a:solidFill>
-                  <a:schemeClr val="tx1">
-                    <a:lumMod val="75000"/>
-                    <a:lumOff val="25000"/>
-                  </a:schemeClr>
-                </a:solidFill>
-                <a:latin typeface="+mn-lt"/>
-                <a:ea typeface="+mn-ea"/>
-                <a:cs typeface="+mn-cs"/>
-              </a:defRPr>
-            </a:lvl2pPr>
-            <a:lvl3pPr marL="1143000" indent="-228600" algn="l" defTabSz="914400" rtl="0" eaLnBrk="1" latinLnBrk="0" hangingPunct="1">
-              <a:lnSpc>
-                <a:spcPts val="1800"/>
-              </a:lnSpc>
-              <a:spcBef>
-                <a:spcPts val="1000"/>
-              </a:spcBef>
-              <a:spcAft>
-                <a:spcPts val="1000"/>
-              </a:spcAft>
-              <a:buFont typeface="Arial" panose="020B0604020202020204" pitchFamily="34" charset="0"/>
-              <a:buChar char="•"/>
-              <a:defRPr lang="en-US" sz="1200" kern="1200" smtClean="0">
-                <a:solidFill>
-                  <a:schemeClr val="tx1">
-                    <a:lumMod val="75000"/>
-                    <a:lumOff val="25000"/>
-                  </a:schemeClr>
-                </a:solidFill>
-                <a:latin typeface="+mn-lt"/>
-                <a:ea typeface="+mn-ea"/>
-                <a:cs typeface="+mn-cs"/>
-              </a:defRPr>
-            </a:lvl3pPr>
-            <a:lvl4pPr marL="1600200" indent="-228600" algn="l" defTabSz="914400" rtl="0" eaLnBrk="1" latinLnBrk="0" hangingPunct="1">
-              <a:lnSpc>
-                <a:spcPts val="1800"/>
-              </a:lnSpc>
-              <a:spcBef>
-                <a:spcPts val="1000"/>
-              </a:spcBef>
-              <a:spcAft>
-                <a:spcPts val="1000"/>
-              </a:spcAft>
-              <a:buFont typeface="Arial" panose="020B0604020202020204" pitchFamily="34" charset="0"/>
-              <a:buChar char="•"/>
-              <a:defRPr lang="en-US" sz="1200" kern="1200" smtClean="0">
-                <a:solidFill>
-                  <a:schemeClr val="tx1">
-                    <a:lumMod val="75000"/>
-                    <a:lumOff val="25000"/>
-                  </a:schemeClr>
-                </a:solidFill>
-                <a:latin typeface="+mn-lt"/>
-                <a:ea typeface="+mn-ea"/>
-                <a:cs typeface="+mn-cs"/>
-              </a:defRPr>
-            </a:lvl4pPr>
-            <a:lvl5pPr marL="2057400" indent="-228600" algn="l" defTabSz="914400" rtl="0" eaLnBrk="1" latinLnBrk="0" hangingPunct="1">
-              <a:lnSpc>
-                <a:spcPts val="1800"/>
-              </a:lnSpc>
-              <a:spcBef>
-                <a:spcPts val="1000"/>
-              </a:spcBef>
-              <a:spcAft>
-                <a:spcPts val="1000"/>
-              </a:spcAft>
-              <a:buFont typeface="Arial" panose="020B0604020202020204" pitchFamily="34" charset="0"/>
-              <a:buChar char="•"/>
-              <a:defRPr lang="en-US" sz="1200" kern="1200">
-                <a:solidFill>
-                  <a:schemeClr val="tx1">
-                    <a:lumMod val="75000"/>
-                    <a:lumOff val="25000"/>
-                  </a:schemeClr>
-                </a:solidFill>
-                <a:latin typeface="+mn-lt"/>
-                <a:ea typeface="+mn-ea"/>
-                <a:cs typeface="+mn-cs"/>
-              </a:defRPr>
-            </a:lvl5pPr>
-            <a:lvl6pPr marL="2514600" indent="-228600" algn="l" defTabSz="914400" rtl="0" eaLnBrk="1" latinLnBrk="0" hangingPunct="1">
-              <a:lnSpc>
-                <a:spcPct val="90000"/>
-              </a:lnSpc>
-              <a:spcBef>
-                <a:spcPct val="30000"/>
-              </a:spcBef>
-              <a:buFont typeface="Arial" panose="020B0604020202020204" pitchFamily="34" charset="0"/>
-              <a:buChar char="•"/>
-              <a:defRPr sz="1800" kern="1200">
-                <a:solidFill>
-                  <a:schemeClr val="tx1"/>
-                </a:solidFill>
-                <a:latin typeface="+mn-lt"/>
-                <a:ea typeface="+mn-ea"/>
-                <a:cs typeface="+mn-cs"/>
-              </a:defRPr>
-            </a:lvl6pPr>
-            <a:lvl7pPr marL="2971800" indent="-228600" algn="l" defTabSz="914400" rtl="0" eaLnBrk="1" latinLnBrk="0" hangingPunct="1">
-              <a:lnSpc>
-                <a:spcPct val="90000"/>
-              </a:lnSpc>
-              <a:spcBef>
-                <a:spcPct val="30000"/>
-              </a:spcBef>
-              <a:buFont typeface="Arial" panose="020B0604020202020204" pitchFamily="34" charset="0"/>
-              <a:buChar char="•"/>
-              <a:defRPr sz="1800" kern="1200">
-                <a:solidFill>
-                  <a:schemeClr val="tx1"/>
-                </a:solidFill>
-                <a:latin typeface="+mn-lt"/>
-                <a:ea typeface="+mn-ea"/>
-                <a:cs typeface="+mn-cs"/>
-              </a:defRPr>
-            </a:lvl7pPr>
-            <a:lvl8pPr marL="3429000" indent="-228600" algn="l" defTabSz="914400" rtl="0" eaLnBrk="1" latinLnBrk="0" hangingPunct="1">
-              <a:lnSpc>
-                <a:spcPct val="90000"/>
-              </a:lnSpc>
-              <a:spcBef>
-                <a:spcPct val="30000"/>
-              </a:spcBef>
-              <a:buFont typeface="Arial" panose="020B0604020202020204" pitchFamily="34" charset="0"/>
-              <a:buChar char="•"/>
-              <a:defRPr sz="1800" kern="1200">
-                <a:solidFill>
-                  <a:schemeClr val="tx1"/>
-                </a:solidFill>
-                <a:latin typeface="+mn-lt"/>
-                <a:ea typeface="+mn-ea"/>
-                <a:cs typeface="+mn-cs"/>
-              </a:defRPr>
-            </a:lvl8pPr>
-            <a:lvl9pPr marL="3886200" indent="-228600" algn="l" defTabSz="914400" rtl="0" eaLnBrk="1" latinLnBrk="0" hangingPunct="1">
-              <a:lnSpc>
-                <a:spcPct val="90000"/>
-              </a:lnSpc>
-              <a:spcBef>
-                <a:spcPct val="30000"/>
-              </a:spcBef>
-              <a:buFont typeface="Arial" panose="020B0604020202020204" pitchFamily="34" charset="0"/>
-              <a:buChar char="•"/>
-              <a:defRPr sz="1800" kern="1200">
-                <a:solidFill>
-                  <a:schemeClr val="tx1"/>
-                </a:solidFill>
-                <a:latin typeface="+mn-lt"/>
-                <a:ea typeface="+mn-ea"/>
-                <a:cs typeface="+mn-cs"/>
-              </a:defRPr>
-            </a:lvl9pPr>
-          </a:lstStyle>
-          <a:p>
-            <a:pPr marL="0" indent="0">
-              <a:spcAft>
-                <a:spcPts val="2000"/>
-              </a:spcAft>
-              <a:buNone/>
-            </a:pPr>
-            <a:r>
-              <a:rPr lang="en-US" dirty="0">
-                <a:solidFill>
-                  <a:prstClr val="black">
-                    <a:lumMod val="75000"/>
-                    <a:lumOff val="25000"/>
-                  </a:prstClr>
-                </a:solidFill>
-                <a:latin typeface="Segoe UI" panose="020B0502040204020203" pitchFamily="34" charset="0"/>
-                <a:cs typeface="Segoe UI" panose="020B0502040204020203" pitchFamily="34" charset="0"/>
-              </a:rPr>
-              <a:t>…and the part of the slide they're editing.</a:t>
+          <a:lstStyle/>
+          <a:p>
+            <a:r>
+              <a:rPr lang="en-US" dirty="0"/>
+              <a:t>User name</a:t>
+            </a:r>
+          </a:p>
+        </p:txBody>
+      </p:sp>
+      <p:sp>
+        <p:nvSpPr>
+          <p:cNvPr id="76" name="TextBox 75">
+            <a:extLst>
+              <a:ext uri="{FF2B5EF4-FFF2-40B4-BE49-F238E27FC236}">
+                <a16:creationId xmlns:a16="http://schemas.microsoft.com/office/drawing/2014/main" id="{EA59ABF8-CB9E-48D4-805F-4111605621DE}"/>
+              </a:ext>
+            </a:extLst>
+          </p:cNvPr>
+          <p:cNvSpPr txBox="1"/>
+          <p:nvPr/>
+        </p:nvSpPr>
+        <p:spPr>
+          <a:xfrm flipH="1">
+            <a:off x="4030850" y="2553486"/>
+            <a:ext cx="1220884" cy="369332"/>
+          </a:xfrm>
+          <a:prstGeom prst="rect">
+            <a:avLst/>
+          </a:prstGeom>
+          <a:noFill/>
+        </p:spPr>
+        <p:txBody>
+          <a:bodyPr wrap="square" rtlCol="0">
+            <a:spAutoFit/>
+          </a:bodyPr>
+          <a:lstStyle/>
+          <a:p>
+            <a:r>
+              <a:rPr lang="en-US" dirty="0"/>
+              <a:t>Email</a:t>
+            </a:r>
+          </a:p>
+        </p:txBody>
+      </p:sp>
+      <p:sp>
+        <p:nvSpPr>
+          <p:cNvPr id="78" name="TextBox 77">
+            <a:extLst>
+              <a:ext uri="{FF2B5EF4-FFF2-40B4-BE49-F238E27FC236}">
+                <a16:creationId xmlns:a16="http://schemas.microsoft.com/office/drawing/2014/main" id="{8D99E4D7-61A8-49C4-A3DC-773C83257419}"/>
+              </a:ext>
+            </a:extLst>
+          </p:cNvPr>
+          <p:cNvSpPr txBox="1"/>
+          <p:nvPr/>
+        </p:nvSpPr>
+        <p:spPr>
+          <a:xfrm flipH="1">
+            <a:off x="5440548" y="2570250"/>
+            <a:ext cx="1682006" cy="369332"/>
+          </a:xfrm>
+          <a:prstGeom prst="rect">
+            <a:avLst/>
+          </a:prstGeom>
+          <a:noFill/>
+        </p:spPr>
+        <p:txBody>
+          <a:bodyPr wrap="square" rtlCol="0">
+            <a:spAutoFit/>
+          </a:bodyPr>
+          <a:lstStyle/>
+          <a:p>
+            <a:r>
+              <a:rPr lang="en-US" dirty="0"/>
+              <a:t>Department</a:t>
             </a:r>
           </a:p>
         </p:txBody>
